--- a/Presentation 2.pptx
+++ b/Presentation 2.pptx
@@ -12,7 +12,6 @@
     <p:sldId id="260" r:id="rId6"/>
     <p:sldId id="261" r:id="rId7"/>
     <p:sldId id="262" r:id="rId8"/>
-    <p:sldId id="263" r:id="rId9"/>
   </p:sldIdLst>
   <p:sldSz cx="12192000" cy="6858000"/>
   <p:notesSz cx="6858000" cy="9144000"/>
@@ -111,6 +110,11 @@
       </a:defRPr>
     </a:lvl9pPr>
   </p:defaultTextStyle>
+  <p:extLst>
+    <p:ext uri="{EFAFB233-063F-42B5-8137-9DF3F51BA10A}">
+      <p15:sldGuideLst xmlns:p15="http://schemas.microsoft.com/office/powerpoint/2012/main"/>
+    </p:ext>
+  </p:extLst>
 </p:presentation>
 </file>
 
@@ -4394,9 +4398,9 @@
           <a:p>
             <a:fld id="{AD44D5DE-067A-48D1-960D-D72C815B8E9F}" type="datetimeFigureOut">
               <a:rPr lang="en-IE" smtClean="0"/>
-              <a:t>08/05/2018</a:t>
+              <a:t>10/05/2018</a:t>
             </a:fld>
-            <a:endParaRPr lang="en-IE"/>
+            <a:endParaRPr lang="en-IE" dirty="0"/>
           </a:p>
         </p:txBody>
       </p:sp>
@@ -4420,7 +4424,7 @@
           <a:bodyPr/>
           <a:lstStyle/>
           <a:p>
-            <a:endParaRPr lang="en-IE"/>
+            <a:endParaRPr lang="en-IE" dirty="0"/>
           </a:p>
         </p:txBody>
       </p:sp>
@@ -4448,7 +4452,7 @@
               <a:rPr lang="en-IE" smtClean="0"/>
               <a:t>‹#›</a:t>
             </a:fld>
-            <a:endParaRPr lang="en-IE"/>
+            <a:endParaRPr lang="en-IE" dirty="0"/>
           </a:p>
         </p:txBody>
       </p:sp>
@@ -4570,10 +4574,9 @@
               <a:buNone/>
             </a:pPr>
             <a:r>
-              <a:rPr lang="en-US"/>
+              <a:rPr lang="en-US" dirty="0"/>
               <a:t>Click icon to add picture</a:t>
             </a:r>
-            <a:endParaRPr lang="en-US" dirty="0"/>
           </a:p>
         </p:txBody>
       </p:sp>
@@ -4661,9 +4664,9 @@
           <a:p>
             <a:fld id="{AD44D5DE-067A-48D1-960D-D72C815B8E9F}" type="datetimeFigureOut">
               <a:rPr lang="en-IE" smtClean="0"/>
-              <a:t>08/05/2018</a:t>
+              <a:t>10/05/2018</a:t>
             </a:fld>
-            <a:endParaRPr lang="en-IE"/>
+            <a:endParaRPr lang="en-IE" dirty="0"/>
           </a:p>
         </p:txBody>
       </p:sp>
@@ -4682,7 +4685,7 @@
           <a:bodyPr/>
           <a:lstStyle/>
           <a:p>
-            <a:endParaRPr lang="en-IE"/>
+            <a:endParaRPr lang="en-IE" dirty="0"/>
           </a:p>
         </p:txBody>
       </p:sp>
@@ -4705,7 +4708,7 @@
               <a:rPr lang="en-IE" smtClean="0"/>
               <a:t>‹#›</a:t>
             </a:fld>
-            <a:endParaRPr lang="en-IE"/>
+            <a:endParaRPr lang="en-IE" dirty="0"/>
           </a:p>
         </p:txBody>
       </p:sp>
@@ -4857,9 +4860,9 @@
           <a:p>
             <a:fld id="{AD44D5DE-067A-48D1-960D-D72C815B8E9F}" type="datetimeFigureOut">
               <a:rPr lang="en-IE" smtClean="0"/>
-              <a:t>08/05/2018</a:t>
+              <a:t>10/05/2018</a:t>
             </a:fld>
-            <a:endParaRPr lang="en-IE"/>
+            <a:endParaRPr lang="en-IE" dirty="0"/>
           </a:p>
         </p:txBody>
       </p:sp>
@@ -4878,7 +4881,7 @@
           <a:bodyPr/>
           <a:lstStyle/>
           <a:p>
-            <a:endParaRPr lang="en-IE"/>
+            <a:endParaRPr lang="en-IE" dirty="0"/>
           </a:p>
         </p:txBody>
       </p:sp>
@@ -4901,7 +4904,7 @@
               <a:rPr lang="en-IE" smtClean="0"/>
               <a:t>‹#›</a:t>
             </a:fld>
-            <a:endParaRPr lang="en-IE"/>
+            <a:endParaRPr lang="en-IE" dirty="0"/>
           </a:p>
         </p:txBody>
       </p:sp>
@@ -5120,9 +5123,9 @@
           <a:p>
             <a:fld id="{AD44D5DE-067A-48D1-960D-D72C815B8E9F}" type="datetimeFigureOut">
               <a:rPr lang="en-IE" smtClean="0"/>
-              <a:t>08/05/2018</a:t>
+              <a:t>10/05/2018</a:t>
             </a:fld>
-            <a:endParaRPr lang="en-IE"/>
+            <a:endParaRPr lang="en-IE" dirty="0"/>
           </a:p>
         </p:txBody>
       </p:sp>
@@ -5141,7 +5144,7 @@
           <a:bodyPr/>
           <a:lstStyle/>
           <a:p>
-            <a:endParaRPr lang="en-IE"/>
+            <a:endParaRPr lang="en-IE" dirty="0"/>
           </a:p>
         </p:txBody>
       </p:sp>
@@ -5164,7 +5167,7 @@
               <a:rPr lang="en-IE" smtClean="0"/>
               <a:t>‹#›</a:t>
             </a:fld>
-            <a:endParaRPr lang="en-IE"/>
+            <a:endParaRPr lang="en-IE" dirty="0"/>
           </a:p>
         </p:txBody>
       </p:sp>
@@ -5554,9 +5557,9 @@
           <a:p>
             <a:fld id="{AD44D5DE-067A-48D1-960D-D72C815B8E9F}" type="datetimeFigureOut">
               <a:rPr lang="en-IE" smtClean="0"/>
-              <a:t>08/05/2018</a:t>
+              <a:t>10/05/2018</a:t>
             </a:fld>
-            <a:endParaRPr lang="en-IE"/>
+            <a:endParaRPr lang="en-IE" dirty="0"/>
           </a:p>
         </p:txBody>
       </p:sp>
@@ -5575,7 +5578,7 @@
           <a:bodyPr/>
           <a:lstStyle/>
           <a:p>
-            <a:endParaRPr lang="en-IE"/>
+            <a:endParaRPr lang="en-IE" dirty="0"/>
           </a:p>
         </p:txBody>
       </p:sp>
@@ -5598,7 +5601,7 @@
               <a:rPr lang="en-IE" smtClean="0"/>
               <a:t>‹#›</a:t>
             </a:fld>
-            <a:endParaRPr lang="en-IE"/>
+            <a:endParaRPr lang="en-IE" dirty="0"/>
           </a:p>
         </p:txBody>
       </p:sp>
@@ -6100,9 +6103,9 @@
           <a:p>
             <a:fld id="{AD44D5DE-067A-48D1-960D-D72C815B8E9F}" type="datetimeFigureOut">
               <a:rPr lang="en-IE" smtClean="0"/>
-              <a:t>08/05/2018</a:t>
+              <a:t>10/05/2018</a:t>
             </a:fld>
-            <a:endParaRPr lang="en-IE"/>
+            <a:endParaRPr lang="en-IE" dirty="0"/>
           </a:p>
         </p:txBody>
       </p:sp>
@@ -6121,7 +6124,7 @@
           <a:bodyPr/>
           <a:lstStyle/>
           <a:p>
-            <a:endParaRPr lang="en-IE"/>
+            <a:endParaRPr lang="en-IE" dirty="0"/>
           </a:p>
         </p:txBody>
       </p:sp>
@@ -6144,7 +6147,7 @@
               <a:rPr lang="en-IE" smtClean="0"/>
               <a:t>‹#›</a:t>
             </a:fld>
-            <a:endParaRPr lang="en-IE"/>
+            <a:endParaRPr lang="en-IE" dirty="0"/>
           </a:p>
         </p:txBody>
       </p:sp>
@@ -6331,10 +6334,9 @@
               <a:buNone/>
             </a:pPr>
             <a:r>
-              <a:rPr lang="en-US"/>
+              <a:rPr lang="en-US" dirty="0"/>
               <a:t>Click icon to add picture</a:t>
             </a:r>
-            <a:endParaRPr lang="en-US" dirty="0"/>
           </a:p>
         </p:txBody>
       </p:sp>
@@ -6530,10 +6532,9 @@
               <a:buNone/>
             </a:pPr>
             <a:r>
-              <a:rPr lang="en-US"/>
+              <a:rPr lang="en-US" dirty="0"/>
               <a:t>Click icon to add picture</a:t>
             </a:r>
-            <a:endParaRPr lang="en-US" dirty="0"/>
           </a:p>
         </p:txBody>
       </p:sp>
@@ -6729,10 +6730,9 @@
               <a:buNone/>
             </a:pPr>
             <a:r>
-              <a:rPr lang="en-US"/>
+              <a:rPr lang="en-US" dirty="0"/>
               <a:t>Click icon to add picture</a:t>
             </a:r>
-            <a:endParaRPr lang="en-US" dirty="0"/>
           </a:p>
         </p:txBody>
       </p:sp>
@@ -6820,9 +6820,9 @@
           <a:p>
             <a:fld id="{AD44D5DE-067A-48D1-960D-D72C815B8E9F}" type="datetimeFigureOut">
               <a:rPr lang="en-IE" smtClean="0"/>
-              <a:t>08/05/2018</a:t>
+              <a:t>10/05/2018</a:t>
             </a:fld>
-            <a:endParaRPr lang="en-IE"/>
+            <a:endParaRPr lang="en-IE" dirty="0"/>
           </a:p>
         </p:txBody>
       </p:sp>
@@ -6841,7 +6841,7 @@
           <a:bodyPr/>
           <a:lstStyle/>
           <a:p>
-            <a:endParaRPr lang="en-IE"/>
+            <a:endParaRPr lang="en-IE" dirty="0"/>
           </a:p>
         </p:txBody>
       </p:sp>
@@ -6864,7 +6864,7 @@
               <a:rPr lang="en-IE" smtClean="0"/>
               <a:t>‹#›</a:t>
             </a:fld>
-            <a:endParaRPr lang="en-IE"/>
+            <a:endParaRPr lang="en-IE" dirty="0"/>
           </a:p>
         </p:txBody>
       </p:sp>
@@ -6990,9 +6990,9 @@
           <a:p>
             <a:fld id="{AD44D5DE-067A-48D1-960D-D72C815B8E9F}" type="datetimeFigureOut">
               <a:rPr lang="en-IE" smtClean="0"/>
-              <a:t>08/05/2018</a:t>
+              <a:t>10/05/2018</a:t>
             </a:fld>
-            <a:endParaRPr lang="en-IE"/>
+            <a:endParaRPr lang="en-IE" dirty="0"/>
           </a:p>
         </p:txBody>
       </p:sp>
@@ -7011,7 +7011,7 @@
           <a:bodyPr/>
           <a:lstStyle/>
           <a:p>
-            <a:endParaRPr lang="en-IE"/>
+            <a:endParaRPr lang="en-IE" dirty="0"/>
           </a:p>
         </p:txBody>
       </p:sp>
@@ -7034,7 +7034,7 @@
               <a:rPr lang="en-IE" smtClean="0"/>
               <a:t>‹#›</a:t>
             </a:fld>
-            <a:endParaRPr lang="en-IE"/>
+            <a:endParaRPr lang="en-IE" dirty="0"/>
           </a:p>
         </p:txBody>
       </p:sp>
@@ -7170,9 +7170,9 @@
           <a:p>
             <a:fld id="{AD44D5DE-067A-48D1-960D-D72C815B8E9F}" type="datetimeFigureOut">
               <a:rPr lang="en-IE" smtClean="0"/>
-              <a:t>08/05/2018</a:t>
+              <a:t>10/05/2018</a:t>
             </a:fld>
-            <a:endParaRPr lang="en-IE"/>
+            <a:endParaRPr lang="en-IE" dirty="0"/>
           </a:p>
         </p:txBody>
       </p:sp>
@@ -7191,7 +7191,7 @@
           <a:bodyPr/>
           <a:lstStyle/>
           <a:p>
-            <a:endParaRPr lang="en-IE"/>
+            <a:endParaRPr lang="en-IE" dirty="0"/>
           </a:p>
         </p:txBody>
       </p:sp>
@@ -7214,7 +7214,7 @@
               <a:rPr lang="en-IE" smtClean="0"/>
               <a:t>‹#›</a:t>
             </a:fld>
-            <a:endParaRPr lang="en-IE"/>
+            <a:endParaRPr lang="en-IE" dirty="0"/>
           </a:p>
         </p:txBody>
       </p:sp>
@@ -7340,9 +7340,9 @@
           <a:p>
             <a:fld id="{AD44D5DE-067A-48D1-960D-D72C815B8E9F}" type="datetimeFigureOut">
               <a:rPr lang="en-IE" smtClean="0"/>
-              <a:t>08/05/2018</a:t>
+              <a:t>10/05/2018</a:t>
             </a:fld>
-            <a:endParaRPr lang="en-IE"/>
+            <a:endParaRPr lang="en-IE" dirty="0"/>
           </a:p>
         </p:txBody>
       </p:sp>
@@ -7361,7 +7361,7 @@
           <a:bodyPr/>
           <a:lstStyle/>
           <a:p>
-            <a:endParaRPr lang="en-IE"/>
+            <a:endParaRPr lang="en-IE" dirty="0"/>
           </a:p>
         </p:txBody>
       </p:sp>
@@ -7384,7 +7384,7 @@
               <a:rPr lang="en-IE" smtClean="0"/>
               <a:t>‹#›</a:t>
             </a:fld>
-            <a:endParaRPr lang="en-IE"/>
+            <a:endParaRPr lang="en-IE" dirty="0"/>
           </a:p>
         </p:txBody>
       </p:sp>
@@ -7590,9 +7590,9 @@
           <a:p>
             <a:fld id="{AD44D5DE-067A-48D1-960D-D72C815B8E9F}" type="datetimeFigureOut">
               <a:rPr lang="en-IE" smtClean="0"/>
-              <a:t>08/05/2018</a:t>
+              <a:t>10/05/2018</a:t>
             </a:fld>
-            <a:endParaRPr lang="en-IE"/>
+            <a:endParaRPr lang="en-IE" dirty="0"/>
           </a:p>
         </p:txBody>
       </p:sp>
@@ -7611,7 +7611,7 @@
           <a:bodyPr/>
           <a:lstStyle/>
           <a:p>
-            <a:endParaRPr lang="en-IE"/>
+            <a:endParaRPr lang="en-IE" dirty="0"/>
           </a:p>
         </p:txBody>
       </p:sp>
@@ -7634,7 +7634,7 @@
               <a:rPr lang="en-IE" smtClean="0"/>
               <a:t>‹#›</a:t>
             </a:fld>
-            <a:endParaRPr lang="en-IE"/>
+            <a:endParaRPr lang="en-IE" dirty="0"/>
           </a:p>
         </p:txBody>
       </p:sp>
@@ -7822,9 +7822,9 @@
           <a:p>
             <a:fld id="{AD44D5DE-067A-48D1-960D-D72C815B8E9F}" type="datetimeFigureOut">
               <a:rPr lang="en-IE" smtClean="0"/>
-              <a:t>08/05/2018</a:t>
+              <a:t>10/05/2018</a:t>
             </a:fld>
-            <a:endParaRPr lang="en-IE"/>
+            <a:endParaRPr lang="en-IE" dirty="0"/>
           </a:p>
         </p:txBody>
       </p:sp>
@@ -7843,7 +7843,7 @@
           <a:bodyPr/>
           <a:lstStyle/>
           <a:p>
-            <a:endParaRPr lang="en-IE"/>
+            <a:endParaRPr lang="en-IE" dirty="0"/>
           </a:p>
         </p:txBody>
       </p:sp>
@@ -7866,7 +7866,7 @@
               <a:rPr lang="en-IE" smtClean="0"/>
               <a:t>‹#›</a:t>
             </a:fld>
-            <a:endParaRPr lang="en-IE"/>
+            <a:endParaRPr lang="en-IE" dirty="0"/>
           </a:p>
         </p:txBody>
       </p:sp>
@@ -8203,9 +8203,9 @@
           <a:p>
             <a:fld id="{AD44D5DE-067A-48D1-960D-D72C815B8E9F}" type="datetimeFigureOut">
               <a:rPr lang="en-IE" smtClean="0"/>
-              <a:t>08/05/2018</a:t>
+              <a:t>10/05/2018</a:t>
             </a:fld>
-            <a:endParaRPr lang="en-IE"/>
+            <a:endParaRPr lang="en-IE" dirty="0"/>
           </a:p>
         </p:txBody>
       </p:sp>
@@ -8224,7 +8224,7 @@
           <a:bodyPr/>
           <a:lstStyle/>
           <a:p>
-            <a:endParaRPr lang="en-IE"/>
+            <a:endParaRPr lang="en-IE" dirty="0"/>
           </a:p>
         </p:txBody>
       </p:sp>
@@ -8247,7 +8247,7 @@
               <a:rPr lang="en-IE" smtClean="0"/>
               <a:t>‹#›</a:t>
             </a:fld>
-            <a:endParaRPr lang="en-IE"/>
+            <a:endParaRPr lang="en-IE" dirty="0"/>
           </a:p>
         </p:txBody>
       </p:sp>
@@ -8321,9 +8321,9 @@
           <a:p>
             <a:fld id="{AD44D5DE-067A-48D1-960D-D72C815B8E9F}" type="datetimeFigureOut">
               <a:rPr lang="en-IE" smtClean="0"/>
-              <a:t>08/05/2018</a:t>
+              <a:t>10/05/2018</a:t>
             </a:fld>
-            <a:endParaRPr lang="en-IE"/>
+            <a:endParaRPr lang="en-IE" dirty="0"/>
           </a:p>
         </p:txBody>
       </p:sp>
@@ -8342,7 +8342,7 @@
           <a:bodyPr/>
           <a:lstStyle/>
           <a:p>
-            <a:endParaRPr lang="en-IE"/>
+            <a:endParaRPr lang="en-IE" dirty="0"/>
           </a:p>
         </p:txBody>
       </p:sp>
@@ -8365,7 +8365,7 @@
               <a:rPr lang="en-IE" smtClean="0"/>
               <a:t>‹#›</a:t>
             </a:fld>
-            <a:endParaRPr lang="en-IE"/>
+            <a:endParaRPr lang="en-IE" dirty="0"/>
           </a:p>
         </p:txBody>
       </p:sp>
@@ -8416,9 +8416,9 @@
           <a:p>
             <a:fld id="{AD44D5DE-067A-48D1-960D-D72C815B8E9F}" type="datetimeFigureOut">
               <a:rPr lang="en-IE" smtClean="0"/>
-              <a:t>08/05/2018</a:t>
+              <a:t>10/05/2018</a:t>
             </a:fld>
-            <a:endParaRPr lang="en-IE"/>
+            <a:endParaRPr lang="en-IE" dirty="0"/>
           </a:p>
         </p:txBody>
       </p:sp>
@@ -8437,7 +8437,7 @@
           <a:bodyPr/>
           <a:lstStyle/>
           <a:p>
-            <a:endParaRPr lang="en-IE"/>
+            <a:endParaRPr lang="en-IE" dirty="0"/>
           </a:p>
         </p:txBody>
       </p:sp>
@@ -8460,7 +8460,7 @@
               <a:rPr lang="en-IE" smtClean="0"/>
               <a:t>‹#›</a:t>
             </a:fld>
-            <a:endParaRPr lang="en-IE"/>
+            <a:endParaRPr lang="en-IE" dirty="0"/>
           </a:p>
         </p:txBody>
       </p:sp>
@@ -8665,9 +8665,9 @@
           <a:p>
             <a:fld id="{AD44D5DE-067A-48D1-960D-D72C815B8E9F}" type="datetimeFigureOut">
               <a:rPr lang="en-IE" smtClean="0"/>
-              <a:t>08/05/2018</a:t>
+              <a:t>10/05/2018</a:t>
             </a:fld>
-            <a:endParaRPr lang="en-IE"/>
+            <a:endParaRPr lang="en-IE" dirty="0"/>
           </a:p>
         </p:txBody>
       </p:sp>
@@ -8686,7 +8686,7 @@
           <a:bodyPr/>
           <a:lstStyle/>
           <a:p>
-            <a:endParaRPr lang="en-IE"/>
+            <a:endParaRPr lang="en-IE" dirty="0"/>
           </a:p>
         </p:txBody>
       </p:sp>
@@ -8709,7 +8709,7 @@
               <a:rPr lang="en-IE" smtClean="0"/>
               <a:t>‹#›</a:t>
             </a:fld>
-            <a:endParaRPr lang="en-IE"/>
+            <a:endParaRPr lang="en-IE" dirty="0"/>
           </a:p>
         </p:txBody>
       </p:sp>
@@ -8856,10 +8856,9 @@
           </a:lstStyle>
           <a:p>
             <a:r>
-              <a:rPr lang="en-US"/>
+              <a:rPr lang="en-US" dirty="0"/>
               <a:t>Click icon to add picture</a:t>
             </a:r>
-            <a:endParaRPr lang="en-US" dirty="0"/>
           </a:p>
         </p:txBody>
       </p:sp>
@@ -8945,9 +8944,9 @@
           <a:p>
             <a:fld id="{AD44D5DE-067A-48D1-960D-D72C815B8E9F}" type="datetimeFigureOut">
               <a:rPr lang="en-IE" smtClean="0"/>
-              <a:t>08/05/2018</a:t>
+              <a:t>10/05/2018</a:t>
             </a:fld>
-            <a:endParaRPr lang="en-IE"/>
+            <a:endParaRPr lang="en-IE" dirty="0"/>
           </a:p>
         </p:txBody>
       </p:sp>
@@ -8966,7 +8965,7 @@
           <a:bodyPr/>
           <a:lstStyle/>
           <a:p>
-            <a:endParaRPr lang="en-IE"/>
+            <a:endParaRPr lang="en-IE" dirty="0"/>
           </a:p>
         </p:txBody>
       </p:sp>
@@ -8989,7 +8988,7 @@
               <a:rPr lang="en-IE" smtClean="0"/>
               <a:t>‹#›</a:t>
             </a:fld>
-            <a:endParaRPr lang="en-IE"/>
+            <a:endParaRPr lang="en-IE" dirty="0"/>
           </a:p>
         </p:txBody>
       </p:sp>
@@ -12022,9 +12021,9 @@
           <a:p>
             <a:fld id="{AD44D5DE-067A-48D1-960D-D72C815B8E9F}" type="datetimeFigureOut">
               <a:rPr lang="en-IE" smtClean="0"/>
-              <a:t>08/05/2018</a:t>
+              <a:t>10/05/2018</a:t>
             </a:fld>
-            <a:endParaRPr lang="en-IE"/>
+            <a:endParaRPr lang="en-IE" dirty="0"/>
           </a:p>
         </p:txBody>
       </p:sp>
@@ -12061,7 +12060,7 @@
             </a:lvl1pPr>
           </a:lstStyle>
           <a:p>
-            <a:endParaRPr lang="en-IE"/>
+            <a:endParaRPr lang="en-IE" dirty="0"/>
           </a:p>
         </p:txBody>
       </p:sp>
@@ -12102,7 +12101,7 @@
               <a:rPr lang="en-IE" smtClean="0"/>
               <a:t>‹#›</a:t>
             </a:fld>
-            <a:endParaRPr lang="en-IE"/>
+            <a:endParaRPr lang="en-IE" dirty="0"/>
           </a:p>
         </p:txBody>
       </p:sp>
@@ -12577,8 +12576,16 @@
         </p:nvSpPr>
         <p:spPr/>
         <p:txBody>
-          <a:bodyPr/>
+          <a:bodyPr>
+            <a:normAutofit fontScale="92500"/>
+          </a:bodyPr>
           <a:lstStyle/>
+          <a:p>
+            <a:r>
+              <a:rPr lang="pl-PL" dirty="0"/>
+              <a:t>The idea of genetic programming is that instead of coding a robocode controller by hand, we can produce tanks that programme automaticallly using evolution.</a:t>
+            </a:r>
+          </a:p>
           <a:p>
             <a:r>
               <a:rPr lang="pl-PL" dirty="0"/>
@@ -12594,7 +12601,7 @@
           <a:p>
             <a:r>
               <a:rPr lang="pl-PL" dirty="0"/>
-              <a:t>The other class is the robotoic fitness function class. </a:t>
+              <a:t>The other class is the robotic fitness function class. </a:t>
             </a:r>
           </a:p>
           <a:p>
@@ -12683,8 +12690,8 @@
         </p:nvSpPr>
         <p:spPr>
           <a:xfrm>
-            <a:off x="1141412" y="2249487"/>
-            <a:ext cx="10192895" cy="3981192"/>
+            <a:off x="1141413" y="1796716"/>
+            <a:ext cx="7238658" cy="4433963"/>
           </a:xfrm>
         </p:spPr>
         <p:txBody>
@@ -12695,7 +12702,7 @@
           <a:p>
             <a:r>
               <a:rPr lang="pl-PL" dirty="0"/>
-              <a:t>We import the fitness function, chromosome, the gene and the genotype, the ichromosome.</a:t>
+              <a:t>We import the fitness function, chromosome, the gene the genotype and the ichromosome.</a:t>
             </a:r>
           </a:p>
           <a:p>
@@ -12706,19 +12713,85 @@
           </a:p>
           <a:p>
             <a:r>
-              <a:rPr lang="pl-PL" dirty="0"/>
-              <a:t>A chromosome, somethimes called a genotype is a set of parameters which define a proposed solution. The set of all solutions is a population.</a:t>
+              <a:rPr lang="en-GB" dirty="0"/>
+              <a:t>Genotype is how your genes look</a:t>
             </a:r>
-          </a:p>
-          <a:p>
             <a:r>
               <a:rPr lang="pl-PL" dirty="0"/>
-              <a:t>Chromosomes are basically a string of numbers, the higher the value after evaluating the chromosome the better the fitness function and the more effective the genetic algorithm is</a:t>
+              <a:t>s like</a:t>
             </a:r>
+            <a:r>
+              <a:rPr lang="en-GB" dirty="0"/>
+              <a:t>. Chromosome is a structure of</a:t>
+            </a:r>
+            <a:r>
+              <a:rPr lang="pl-PL" dirty="0"/>
+              <a:t> the so called</a:t>
+            </a:r>
+            <a:r>
+              <a:rPr lang="en-GB" dirty="0"/>
+              <a:t> DNA.</a:t>
+            </a:r>
+            <a:endParaRPr lang="pl-PL" dirty="0"/>
+          </a:p>
+          <a:p>
+            <a:r>
+              <a:rPr lang="pl-PL" dirty="0"/>
+              <a:t>Chromosomes are basically a string of numbers, the higher the value after evaluating the chromosome, the better the fitness function and the more effective the genetic algorithm is.</a:t>
+            </a:r>
+          </a:p>
+          <a:p>
             <a:endParaRPr lang="en-IE" dirty="0"/>
           </a:p>
         </p:txBody>
       </p:sp>
+      <p:pic>
+        <p:nvPicPr>
+          <p:cNvPr id="6" name="Picture 2" descr="Ð ÐµÐ·ÑÐ»ÑÑÐ°Ñ Ð¿Ð¾ÑÑÐºÑ Ð·Ð¾Ð±ÑÐ°Ð¶ÐµÐ½Ñ Ð·Ð° Ð·Ð°Ð¿Ð¸ÑÐ¾Ð¼ &quot;genetic algorithm&quot;">
+            <a:extLst>
+              <a:ext uri="{FF2B5EF4-FFF2-40B4-BE49-F238E27FC236}">
+                <a16:creationId xmlns:a16="http://schemas.microsoft.com/office/drawing/2014/main" id="{8F33D44B-3397-4E15-9393-546EE19A3827}"/>
+              </a:ext>
+            </a:extLst>
+          </p:cNvPr>
+          <p:cNvPicPr>
+            <a:picLocks noChangeAspect="1" noChangeArrowheads="1"/>
+          </p:cNvPicPr>
+          <p:nvPr/>
+        </p:nvPicPr>
+        <p:blipFill>
+          <a:blip r:embed="rId2">
+            <a:extLst>
+              <a:ext uri="{28A0092B-C50C-407E-A947-70E740481C1C}">
+                <a14:useLocalDpi xmlns:a14="http://schemas.microsoft.com/office/drawing/2010/main" val="0"/>
+              </a:ext>
+            </a:extLst>
+          </a:blip>
+          <a:srcRect/>
+          <a:stretch>
+            <a:fillRect/>
+          </a:stretch>
+        </p:blipFill>
+        <p:spPr bwMode="auto">
+          <a:xfrm>
+            <a:off x="8380070" y="2340157"/>
+            <a:ext cx="3618597" cy="3505059"/>
+          </a:xfrm>
+          <a:prstGeom prst="rect">
+            <a:avLst/>
+          </a:prstGeom>
+          <a:noFill/>
+          <a:extLst>
+            <a:ext uri="{909E8E84-426E-40DD-AFC4-6F175D3DCCD1}">
+              <a14:hiddenFill xmlns:a14="http://schemas.microsoft.com/office/drawing/2010/main">
+                <a:solidFill>
+                  <a:srgbClr val="FFFFFF"/>
+                </a:solidFill>
+              </a14:hiddenFill>
+            </a:ext>
+          </a:extLst>
+        </p:spPr>
+      </p:pic>
     </p:spTree>
     <p:extLst>
       <p:ext uri="{BB962C8B-B14F-4D97-AF65-F5344CB8AC3E}">
@@ -12801,7 +12874,9 @@
           </a:xfrm>
         </p:spPr>
         <p:txBody>
-          <a:bodyPr/>
+          <a:bodyPr>
+            <a:normAutofit fontScale="92500" lnSpcReduction="10000"/>
+          </a:bodyPr>
           <a:lstStyle/>
           <a:p>
             <a:r>
@@ -12812,7 +12887,13 @@
           <a:p>
             <a:r>
               <a:rPr lang="pl-PL" dirty="0"/>
-              <a:t>The class writes out to a config file the best configuration found by evolving the population, and then it loads the battle with that configuration file.</a:t>
+              <a:t>We also create a random initial genotype. we let it evolve and the fittest chromosome is found in this class. This is done in the evaluation, when no previous configuration was found.</a:t>
+            </a:r>
+          </a:p>
+          <a:p>
+            <a:r>
+              <a:rPr lang="pl-PL" dirty="0"/>
+              <a:t>The class writes out to a config file, which contains the best configuration found by evolving the population, and then it loads the battle with that configuration file.</a:t>
             </a:r>
             <a:endParaRPr lang="en-IE" dirty="0"/>
           </a:p>
@@ -12896,13 +12977,13 @@
         <p:spPr/>
         <p:txBody>
           <a:bodyPr>
-            <a:normAutofit/>
+            <a:normAutofit fontScale="92500"/>
           </a:bodyPr>
           <a:lstStyle/>
           <a:p>
             <a:r>
               <a:rPr lang="pl-PL" dirty="0"/>
-              <a:t>This class is responsible for starting up robotcode and to make sure that every time a robot starts the position is constant so that the battle is deterministic and the genetic algorithm will be more effective.</a:t>
+              <a:t>This class is responsible for starting up robotcode and to make sure that every time a robot starts the position is constant so that the battle is deterministic so that the genetic algorithm will be more effective.</a:t>
             </a:r>
           </a:p>
           <a:p>
@@ -12914,7 +12995,7 @@
           <a:p>
             <a:r>
               <a:rPr lang="pl-PL" dirty="0"/>
-              <a:t>In this class the configuration is either saved or not, if the solution is better than the previous the configuration is saved for a more effective Genetic Algorithm.</a:t>
+              <a:t>In this class the configuration is either saved or not, if the solution is better than the previous, the configuration is saved for a more effective Genetic Algorithm.</a:t>
             </a:r>
           </a:p>
           <a:p>
@@ -13130,13 +13211,21 @@
           <a:p>
             <a:r>
               <a:rPr lang="pl-PL" dirty="0"/>
-              <a:t>The Jgap library is very useful as it helps us to elimate redundant code that would just be repeated.</a:t>
+              <a:t>The Jgap library is very useful as it helps us to eliminate redundant code that would just be repeated.</a:t>
             </a:r>
           </a:p>
           <a:p>
             <a:r>
               <a:rPr lang="pl-PL" dirty="0"/>
-              <a:t>The fitness fuction can be used to determine a summarised single figure solution to the problem.</a:t>
+              <a:t>The fitness </a:t>
+            </a:r>
+            <a:r>
+              <a:rPr lang="en-IE" dirty="0"/>
+              <a:t>function</a:t>
+            </a:r>
+            <a:r>
+              <a:rPr lang="pl-PL" dirty="0"/>
+              <a:t> can be used to determine a summarised single figure solution to the problem.</a:t>
             </a:r>
           </a:p>
           <a:p>
@@ -13152,72 +13241,6 @@
     <p:extLst>
       <p:ext uri="{BB962C8B-B14F-4D97-AF65-F5344CB8AC3E}">
         <p14:creationId xmlns:p14="http://schemas.microsoft.com/office/powerpoint/2010/main" val="789672623"/>
-      </p:ext>
-    </p:extLst>
-  </p:cSld>
-  <p:clrMapOvr>
-    <a:masterClrMapping/>
-  </p:clrMapOvr>
-</p:sld>
-</file>
-
-<file path=ppt/slides/slide8.xml><?xml version="1.0" encoding="utf-8"?>
-<p:sld xmlns:a="http://schemas.openxmlformats.org/drawingml/2006/main" xmlns:r="http://schemas.openxmlformats.org/officeDocument/2006/relationships" xmlns:p="http://schemas.openxmlformats.org/presentationml/2006/main">
-  <p:cSld>
-    <p:spTree>
-      <p:nvGrpSpPr>
-        <p:cNvPr id="1" name=""/>
-        <p:cNvGrpSpPr/>
-        <p:nvPr/>
-      </p:nvGrpSpPr>
-      <p:grpSpPr>
-        <a:xfrm>
-          <a:off x="0" y="0"/>
-          <a:ext cx="0" cy="0"/>
-          <a:chOff x="0" y="0"/>
-          <a:chExt cx="0" cy="0"/>
-        </a:xfrm>
-      </p:grpSpPr>
-      <p:sp>
-        <p:nvSpPr>
-          <p:cNvPr id="2" name="Title 1">
-            <a:extLst>
-              <a:ext uri="{FF2B5EF4-FFF2-40B4-BE49-F238E27FC236}">
-                <a16:creationId xmlns:a16="http://schemas.microsoft.com/office/drawing/2014/main" id="{443A74BA-6A85-44DE-B4FC-A662AD0A1DEE}"/>
-              </a:ext>
-            </a:extLst>
-          </p:cNvPr>
-          <p:cNvSpPr>
-            <a:spLocks noGrp="1"/>
-          </p:cNvSpPr>
-          <p:nvPr>
-            <p:ph type="title"/>
-          </p:nvPr>
-        </p:nvSpPr>
-        <p:spPr>
-          <a:xfrm>
-            <a:off x="2183404" y="1362796"/>
-            <a:ext cx="12829768" cy="4123603"/>
-          </a:xfrm>
-        </p:spPr>
-        <p:txBody>
-          <a:bodyPr>
-            <a:normAutofit/>
-          </a:bodyPr>
-          <a:lstStyle/>
-          <a:p>
-            <a:r>
-              <a:rPr lang="pl-PL" sz="7200" dirty="0"/>
-              <a:t>ANY QUESTIONS? 	</a:t>
-            </a:r>
-            <a:endParaRPr lang="en-IE" sz="7200" dirty="0"/>
-          </a:p>
-        </p:txBody>
-      </p:sp>
-    </p:spTree>
-    <p:extLst>
-      <p:ext uri="{BB962C8B-B14F-4D97-AF65-F5344CB8AC3E}">
-        <p14:creationId xmlns:p14="http://schemas.microsoft.com/office/powerpoint/2010/main" val="473626767"/>
       </p:ext>
     </p:extLst>
   </p:cSld>
